--- a/presentacion/presentacion1/powerpoint.pptx
+++ b/presentacion/presentacion1/powerpoint.pptx
@@ -114,6 +114,11 @@
       </a:defRPr>
     </a:lvl9pPr>
   </p:defaultTextStyle>
+  <p:extLst>
+    <p:ext uri="{EFAFB233-063F-42B5-8137-9DF3F51BA10A}">
+      <p15:sldGuideLst xmlns:p15="http://schemas.microsoft.com/office/powerpoint/2012/main"/>
+    </p:ext>
+  </p:extLst>
 </p:presentation>
 </file>
 
@@ -211,7 +216,7 @@
           <a:p>
             <a:fld id="{1D6573F8-2C50-40A5-8A11-2E29AD869352}" type="datetimeFigureOut">
               <a:rPr lang="es-AR" smtClean="0"/>
-              <a:t>28/09/2019</a:t>
+              <a:t>01/10/2019</a:t>
             </a:fld>
             <a:endParaRPr lang="es-AR"/>
           </a:p>
@@ -876,7 +881,7 @@
           <a:p>
             <a:fld id="{402DB9C9-E339-4845-A0F1-46B1FE3C702D}" type="datetimeFigureOut">
               <a:rPr lang="es-AR" smtClean="0"/>
-              <a:t>28/09/2019</a:t>
+              <a:t>01/10/2019</a:t>
             </a:fld>
             <a:endParaRPr lang="es-AR"/>
           </a:p>
@@ -1084,7 +1089,7 @@
           <a:p>
             <a:fld id="{402DB9C9-E339-4845-A0F1-46B1FE3C702D}" type="datetimeFigureOut">
               <a:rPr lang="es-AR" smtClean="0"/>
-              <a:t>28/09/2019</a:t>
+              <a:t>01/10/2019</a:t>
             </a:fld>
             <a:endParaRPr lang="es-AR"/>
           </a:p>
@@ -1340,7 +1345,7 @@
           <a:p>
             <a:fld id="{402DB9C9-E339-4845-A0F1-46B1FE3C702D}" type="datetimeFigureOut">
               <a:rPr lang="es-AR" smtClean="0"/>
-              <a:t>28/09/2019</a:t>
+              <a:t>01/10/2019</a:t>
             </a:fld>
             <a:endParaRPr lang="es-AR"/>
           </a:p>
@@ -1510,7 +1515,7 @@
           <a:p>
             <a:fld id="{402DB9C9-E339-4845-A0F1-46B1FE3C702D}" type="datetimeFigureOut">
               <a:rPr lang="es-AR" smtClean="0"/>
-              <a:t>28/09/2019</a:t>
+              <a:t>01/10/2019</a:t>
             </a:fld>
             <a:endParaRPr lang="es-AR"/>
           </a:p>
@@ -1853,7 +1858,7 @@
           <a:p>
             <a:fld id="{402DB9C9-E339-4845-A0F1-46B1FE3C702D}" type="datetimeFigureOut">
               <a:rPr lang="es-AR" smtClean="0"/>
-              <a:t>28/09/2019</a:t>
+              <a:t>01/10/2019</a:t>
             </a:fld>
             <a:endParaRPr lang="es-AR"/>
           </a:p>
@@ -2128,7 +2133,7 @@
           <a:p>
             <a:fld id="{402DB9C9-E339-4845-A0F1-46B1FE3C702D}" type="datetimeFigureOut">
               <a:rPr lang="es-AR" smtClean="0"/>
-              <a:t>28/09/2019</a:t>
+              <a:t>01/10/2019</a:t>
             </a:fld>
             <a:endParaRPr lang="es-AR"/>
           </a:p>
@@ -2507,7 +2512,7 @@
           <a:p>
             <a:fld id="{402DB9C9-E339-4845-A0F1-46B1FE3C702D}" type="datetimeFigureOut">
               <a:rPr lang="es-AR" smtClean="0"/>
-              <a:t>28/09/2019</a:t>
+              <a:t>01/10/2019</a:t>
             </a:fld>
             <a:endParaRPr lang="es-AR"/>
           </a:p>
@@ -2625,7 +2630,7 @@
           <a:p>
             <a:fld id="{402DB9C9-E339-4845-A0F1-46B1FE3C702D}" type="datetimeFigureOut">
               <a:rPr lang="es-AR" smtClean="0"/>
-              <a:t>28/09/2019</a:t>
+              <a:t>01/10/2019</a:t>
             </a:fld>
             <a:endParaRPr lang="es-AR"/>
           </a:p>
@@ -2796,7 +2801,7 @@
           <a:p>
             <a:fld id="{402DB9C9-E339-4845-A0F1-46B1FE3C702D}" type="datetimeFigureOut">
               <a:rPr lang="es-AR" smtClean="0"/>
-              <a:t>28/09/2019</a:t>
+              <a:t>01/10/2019</a:t>
             </a:fld>
             <a:endParaRPr lang="es-AR"/>
           </a:p>
@@ -3150,7 +3155,7 @@
           <a:p>
             <a:fld id="{402DB9C9-E339-4845-A0F1-46B1FE3C702D}" type="datetimeFigureOut">
               <a:rPr lang="es-AR" smtClean="0"/>
-              <a:t>28/09/2019</a:t>
+              <a:t>01/10/2019</a:t>
             </a:fld>
             <a:endParaRPr lang="es-AR"/>
           </a:p>
@@ -3527,7 +3532,7 @@
           <a:p>
             <a:fld id="{402DB9C9-E339-4845-A0F1-46B1FE3C702D}" type="datetimeFigureOut">
               <a:rPr lang="es-AR" smtClean="0"/>
-              <a:t>28/09/2019</a:t>
+              <a:t>01/10/2019</a:t>
             </a:fld>
             <a:endParaRPr lang="es-AR"/>
           </a:p>
@@ -3814,7 +3819,7 @@
           <a:p>
             <a:fld id="{402DB9C9-E339-4845-A0F1-46B1FE3C702D}" type="datetimeFigureOut">
               <a:rPr lang="es-AR" smtClean="0"/>
-              <a:t>28/09/2019</a:t>
+              <a:t>01/10/2019</a:t>
             </a:fld>
             <a:endParaRPr lang="es-AR"/>
           </a:p>
@@ -5435,7 +5440,7 @@
         </p:nvSpPr>
         <p:spPr/>
         <p:txBody>
-          <a:bodyPr/>
+          <a:bodyPr anchor="ctr"/>
           <a:lstStyle/>
           <a:p>
             <a:pPr marL="0" indent="0" algn="just">
@@ -5484,31 +5489,41 @@
           </a:p>
         </p:txBody>
       </p:sp>
-      <p:sp>
-        <p:nvSpPr>
-          <p:cNvPr id="4" name="Marcador de contenido 3">
+      <p:pic>
+        <p:nvPicPr>
+          <p:cNvPr id="13" name="Marcador de contenido 12">
             <a:extLst>
               <a:ext uri="{FF2B5EF4-FFF2-40B4-BE49-F238E27FC236}">
-                <a16:creationId xmlns:a16="http://schemas.microsoft.com/office/drawing/2014/main" id="{05EEE958-DF4A-4B09-ADDB-D0747D09000B}"/>
+                <a16:creationId xmlns:a16="http://schemas.microsoft.com/office/drawing/2014/main" id="{E9B20CD3-7213-42B9-9018-536A9FA5C726}"/>
               </a:ext>
             </a:extLst>
           </p:cNvPr>
-          <p:cNvSpPr>
-            <a:spLocks noGrp="1"/>
-          </p:cNvSpPr>
+          <p:cNvPicPr>
+            <a:picLocks noGrp="1" noChangeAspect="1"/>
+          </p:cNvPicPr>
           <p:nvPr>
             <p:ph sz="half" idx="2"/>
           </p:nvPr>
-        </p:nvSpPr>
-        <p:spPr/>
-        <p:txBody>
-          <a:bodyPr/>
-          <a:lstStyle/>
-          <a:p>
-            <a:endParaRPr lang="es-AR"/>
-          </a:p>
-        </p:txBody>
-      </p:sp>
+        </p:nvPicPr>
+        <p:blipFill>
+          <a:blip r:embed="rId2">
+            <a:extLst>
+              <a:ext uri="{28A0092B-C50C-407E-A947-70E740481C1C}">
+                <a14:useLocalDpi xmlns:a14="http://schemas.microsoft.com/office/drawing/2010/main" val="0"/>
+              </a:ext>
+            </a:extLst>
+          </a:blip>
+          <a:stretch>
+            <a:fillRect/>
+          </a:stretch>
+        </p:blipFill>
+        <p:spPr>
+          <a:xfrm>
+            <a:off x="7127657" y="1742657"/>
+            <a:ext cx="3198598" cy="4126331"/>
+          </a:xfrm>
+        </p:spPr>
+      </p:pic>
     </p:spTree>
     <p:extLst>
       <p:ext uri="{BB962C8B-B14F-4D97-AF65-F5344CB8AC3E}">
